--- a/Report/poster/poster.pptx
+++ b/Report/poster/poster.pptx
@@ -5,10 +5,11 @@
     <p:sldMasterId id="2147483721" r:id="rId1"/>
   </p:sldMasterIdLst>
   <p:handoutMasterIdLst>
-    <p:handoutMasterId r:id="rId3"/>
+    <p:handoutMasterId r:id="rId4"/>
   </p:handoutMasterIdLst>
   <p:sldIdLst>
     <p:sldId id="256" r:id="rId2"/>
+    <p:sldId id="258" r:id="rId3"/>
   </p:sldIdLst>
   <p:sldSz cx="15119350" cy="21383625"/>
   <p:notesSz cx="6797675" cy="9928225"/>
@@ -276,7 +277,7 @@
               <a:pPr>
                 <a:defRPr/>
               </a:pPr>
-              <a:t>21/04/2018</a:t>
+              <a:t>23/04/2018</a:t>
             </a:fld>
             <a:endParaRPr lang="en-GB"/>
           </a:p>
@@ -533,7 +534,7 @@
               <a:pPr>
                 <a:defRPr/>
               </a:pPr>
-              <a:t>21/04/2018</a:t>
+              <a:t>23/04/2018</a:t>
             </a:fld>
             <a:endParaRPr lang="en-GB"/>
           </a:p>
@@ -748,7 +749,7 @@
               <a:pPr>
                 <a:defRPr/>
               </a:pPr>
-              <a:t>21/04/2018</a:t>
+              <a:t>23/04/2018</a:t>
             </a:fld>
             <a:endParaRPr lang="en-GB"/>
           </a:p>
@@ -973,7 +974,7 @@
               <a:pPr>
                 <a:defRPr/>
               </a:pPr>
-              <a:t>21/04/2018</a:t>
+              <a:t>23/04/2018</a:t>
             </a:fld>
             <a:endParaRPr lang="en-GB"/>
           </a:p>
@@ -1188,7 +1189,7 @@
               <a:pPr>
                 <a:defRPr/>
               </a:pPr>
-              <a:t>21/04/2018</a:t>
+              <a:t>23/04/2018</a:t>
             </a:fld>
             <a:endParaRPr lang="en-GB"/>
           </a:p>
@@ -1477,7 +1478,7 @@
               <a:pPr>
                 <a:defRPr/>
               </a:pPr>
-              <a:t>21/04/2018</a:t>
+              <a:t>23/04/2018</a:t>
             </a:fld>
             <a:endParaRPr lang="en-GB"/>
           </a:p>
@@ -1754,7 +1755,7 @@
               <a:pPr>
                 <a:defRPr/>
               </a:pPr>
-              <a:t>21/04/2018</a:t>
+              <a:t>23/04/2018</a:t>
             </a:fld>
             <a:endParaRPr lang="en-GB"/>
           </a:p>
@@ -2166,7 +2167,7 @@
               <a:pPr>
                 <a:defRPr/>
               </a:pPr>
-              <a:t>21/04/2018</a:t>
+              <a:t>23/04/2018</a:t>
             </a:fld>
             <a:endParaRPr lang="en-GB"/>
           </a:p>
@@ -2329,7 +2330,7 @@
               <a:pPr>
                 <a:defRPr/>
               </a:pPr>
-              <a:t>21/04/2018</a:t>
+              <a:t>23/04/2018</a:t>
             </a:fld>
             <a:endParaRPr lang="en-GB"/>
           </a:p>
@@ -2469,7 +2470,7 @@
               <a:pPr>
                 <a:defRPr/>
               </a:pPr>
-              <a:t>21/04/2018</a:t>
+              <a:t>23/04/2018</a:t>
             </a:fld>
             <a:endParaRPr lang="en-GB"/>
           </a:p>
@@ -2791,7 +2792,7 @@
               <a:pPr>
                 <a:defRPr/>
               </a:pPr>
-              <a:t>21/04/2018</a:t>
+              <a:t>23/04/2018</a:t>
             </a:fld>
             <a:endParaRPr lang="en-GB"/>
           </a:p>
@@ -3096,7 +3097,7 @@
               <a:pPr>
                 <a:defRPr/>
               </a:pPr>
-              <a:t>21/04/2018</a:t>
+              <a:t>23/04/2018</a:t>
             </a:fld>
             <a:endParaRPr lang="en-GB"/>
           </a:p>
@@ -3414,7 +3415,7 @@
               <a:pPr>
                 <a:defRPr/>
               </a:pPr>
-              <a:t>21/04/2018</a:t>
+              <a:t>23/04/2018</a:t>
             </a:fld>
             <a:endParaRPr lang="en-GB"/>
           </a:p>
@@ -3972,7 +3973,7 @@
 </file>
 
 <file path=ppt/slides/slide1.xml><?xml version="1.0" encoding="utf-8"?>
-<p:sld xmlns:a="http://schemas.openxmlformats.org/drawingml/2006/main" xmlns:r="http://schemas.openxmlformats.org/officeDocument/2006/relationships" xmlns:p="http://schemas.openxmlformats.org/presentationml/2006/main">
+<p:sld xmlns:a="http://schemas.openxmlformats.org/drawingml/2006/main" xmlns:r="http://schemas.openxmlformats.org/officeDocument/2006/relationships" xmlns:p="http://schemas.openxmlformats.org/presentationml/2006/main" showMasterSp="0" show="0">
   <p:cSld>
     <p:bg>
       <p:bgPr>
@@ -5737,6 +5738,1954 @@
         </p:txBody>
       </p:sp>
     </p:spTree>
+  </p:cSld>
+  <p:clrMapOvr>
+    <a:masterClrMapping/>
+  </p:clrMapOvr>
+</p:sld>
+</file>
+
+<file path=ppt/slides/slide2.xml><?xml version="1.0" encoding="utf-8"?>
+<p:sld xmlns:a="http://schemas.openxmlformats.org/drawingml/2006/main" xmlns:r="http://schemas.openxmlformats.org/officeDocument/2006/relationships" xmlns:p="http://schemas.openxmlformats.org/presentationml/2006/main">
+  <p:cSld>
+    <p:bg>
+      <p:bgPr>
+        <a:blipFill dpi="0" rotWithShape="1">
+          <a:blip r:embed="rId2">
+            <a:lum/>
+          </a:blip>
+          <a:srcRect/>
+          <a:stretch>
+            <a:fillRect t="-12000" b="-24000"/>
+          </a:stretch>
+        </a:blipFill>
+        <a:effectLst/>
+      </p:bgPr>
+    </p:bg>
+    <p:spTree>
+      <p:nvGrpSpPr>
+        <p:cNvPr id="1" name=""/>
+        <p:cNvGrpSpPr/>
+        <p:nvPr/>
+      </p:nvGrpSpPr>
+      <p:grpSpPr>
+        <a:xfrm>
+          <a:off x="0" y="0"/>
+          <a:ext cx="0" cy="0"/>
+          <a:chOff x="0" y="0"/>
+          <a:chExt cx="0" cy="0"/>
+        </a:xfrm>
+      </p:grpSpPr>
+      <p:sp>
+        <p:nvSpPr>
+          <p:cNvPr id="2074" name="Rectangle 7">
+            <a:extLst>
+              <a:ext uri="{FF2B5EF4-FFF2-40B4-BE49-F238E27FC236}">
+                <a16:creationId xmlns:a16="http://schemas.microsoft.com/office/drawing/2014/main" id="{5B3EC0E9-12E6-4030-9E18-CF51B0833EEF}"/>
+              </a:ext>
+            </a:extLst>
+          </p:cNvPr>
+          <p:cNvSpPr>
+            <a:spLocks noChangeArrowheads="1"/>
+          </p:cNvSpPr>
+          <p:nvPr/>
+        </p:nvSpPr>
+        <p:spPr bwMode="auto">
+          <a:xfrm>
+            <a:off x="290555" y="2952774"/>
+            <a:ext cx="6978893" cy="4608512"/>
+          </a:xfrm>
+          <a:prstGeom prst="roundRect">
+            <a:avLst>
+              <a:gd name="adj" fmla="val 5368"/>
+            </a:avLst>
+          </a:prstGeom>
+          <a:noFill/>
+          <a:ln w="38100">
+            <a:solidFill>
+              <a:srgbClr val="7E317B"/>
+            </a:solidFill>
+          </a:ln>
+          <a:effectLst/>
+        </p:spPr>
+        <p:style>
+          <a:lnRef idx="2">
+            <a:schemeClr val="accent2"/>
+          </a:lnRef>
+          <a:fillRef idx="1">
+            <a:schemeClr val="lt1"/>
+          </a:fillRef>
+          <a:effectRef idx="0">
+            <a:schemeClr val="accent2"/>
+          </a:effectRef>
+          <a:fontRef idx="minor">
+            <a:schemeClr val="dk1"/>
+          </a:fontRef>
+        </p:style>
+        <p:txBody>
+          <a:bodyPr wrap="square" lIns="125828" rIns="125828">
+            <a:noAutofit/>
+          </a:bodyPr>
+          <a:lstStyle/>
+          <a:p>
+            <a:pPr marL="457200" indent="-457200" algn="just" defTabSz="2085057" eaLnBrk="1" hangingPunct="1">
+              <a:lnSpc>
+                <a:spcPct val="150000"/>
+              </a:lnSpc>
+              <a:buAutoNum type="arabicPeriod"/>
+              <a:defRPr/>
+            </a:pPr>
+            <a:r>
+              <a:rPr lang="en-GB" altLang="en-US" sz="2800" b="1" dirty="0"/>
+              <a:t>BACKGROUND</a:t>
+            </a:r>
+            <a:endParaRPr lang="en-GB" altLang="en-US" sz="2400" b="1" dirty="0"/>
+          </a:p>
+          <a:p>
+            <a:pPr algn="just" defTabSz="2085057" eaLnBrk="1" hangingPunct="1">
+              <a:defRPr/>
+            </a:pPr>
+            <a:r>
+              <a:rPr lang="en-GB" altLang="en-US" sz="2000" b="1" dirty="0"/>
+              <a:t>Context</a:t>
+            </a:r>
+          </a:p>
+          <a:p>
+            <a:pPr algn="just" defTabSz="2085057" eaLnBrk="1" hangingPunct="1">
+              <a:defRPr/>
+            </a:pPr>
+            <a:r>
+              <a:rPr lang="en-GB" sz="2000" dirty="0"/>
+              <a:t>A </a:t>
+            </a:r>
+            <a:r>
+              <a:rPr lang="en-GB" sz="2000" b="1" dirty="0"/>
+              <a:t>difficult aspect </a:t>
+            </a:r>
+            <a:r>
+              <a:rPr lang="en-GB" sz="2000" dirty="0"/>
+              <a:t>of creating a robot is </a:t>
+            </a:r>
+            <a:r>
+              <a:rPr lang="en-GB" sz="2000" b="1" dirty="0"/>
+              <a:t>programming behaviour</a:t>
+            </a:r>
+            <a:r>
+              <a:rPr lang="en-GB" sz="2000" dirty="0"/>
+              <a:t>. Machine learning allows robots to </a:t>
+            </a:r>
+            <a:r>
+              <a:rPr lang="en-GB" sz="2000" b="1" dirty="0"/>
+              <a:t>learn behaviour without being explicitly programmed</a:t>
+            </a:r>
+            <a:r>
+              <a:rPr lang="en-GB" sz="2000" dirty="0"/>
+              <a:t>. However, training in this way can take a long time. Simulation can </a:t>
+            </a:r>
+            <a:r>
+              <a:rPr lang="en-GB" sz="2000" b="1" dirty="0"/>
+              <a:t>speed up this process</a:t>
+            </a:r>
+            <a:r>
+              <a:rPr lang="en-GB" sz="2000" dirty="0"/>
+              <a:t>.</a:t>
+            </a:r>
+          </a:p>
+          <a:p>
+            <a:pPr algn="just" defTabSz="2085057" eaLnBrk="1" hangingPunct="1">
+              <a:spcBef>
+                <a:spcPts val="1200"/>
+              </a:spcBef>
+              <a:defRPr/>
+            </a:pPr>
+            <a:r>
+              <a:rPr lang="en-GB" sz="2000" b="1" dirty="0"/>
+              <a:t>Aims</a:t>
+            </a:r>
+          </a:p>
+          <a:p>
+            <a:pPr marL="342900" indent="-342900" algn="just" defTabSz="2085057" eaLnBrk="1" hangingPunct="1">
+              <a:buFont typeface="Arial" panose="020B0604020202020204" pitchFamily="34" charset="0"/>
+              <a:buChar char="•"/>
+              <a:defRPr/>
+            </a:pPr>
+            <a:r>
+              <a:rPr lang="en-GB" sz="2000" dirty="0"/>
+              <a:t>Compare and evaluate </a:t>
+            </a:r>
+            <a:r>
+              <a:rPr lang="en-GB" sz="2000" b="1" dirty="0"/>
+              <a:t>different methods of machine learning</a:t>
+            </a:r>
+            <a:r>
+              <a:rPr lang="en-GB" sz="2000" dirty="0"/>
+              <a:t> for learning to balance a ball on a tray</a:t>
+            </a:r>
+          </a:p>
+          <a:p>
+            <a:pPr marL="342900" indent="-342900" algn="just" defTabSz="2085057" eaLnBrk="1" hangingPunct="1">
+              <a:buFont typeface="Arial" panose="020B0604020202020204" pitchFamily="34" charset="0"/>
+              <a:buChar char="•"/>
+              <a:defRPr/>
+            </a:pPr>
+            <a:r>
+              <a:rPr lang="en-GB" sz="2000" dirty="0"/>
+              <a:t>Analyse the </a:t>
+            </a:r>
+            <a:r>
+              <a:rPr lang="en-GB" sz="2000" b="1" dirty="0"/>
+              <a:t>suitability of using a simple simulation to learn behaviour </a:t>
+            </a:r>
+            <a:r>
+              <a:rPr lang="en-GB" sz="2000" dirty="0"/>
+              <a:t>that can be used by the robot</a:t>
+            </a:r>
+          </a:p>
+          <a:p>
+            <a:pPr marL="342900" indent="-342900" algn="just" defTabSz="2085057" eaLnBrk="1" hangingPunct="1">
+              <a:buFont typeface="Arial" panose="020B0604020202020204" pitchFamily="34" charset="0"/>
+              <a:buChar char="•"/>
+              <a:defRPr/>
+            </a:pPr>
+            <a:r>
+              <a:rPr lang="en-GB" sz="2000" dirty="0"/>
+              <a:t>Investigate techniques to </a:t>
+            </a:r>
+            <a:r>
+              <a:rPr lang="en-GB" sz="2000" b="1" dirty="0"/>
+              <a:t>improve performance </a:t>
+            </a:r>
+            <a:r>
+              <a:rPr lang="en-GB" sz="2000" dirty="0"/>
+              <a:t>with robot</a:t>
+            </a:r>
+          </a:p>
+        </p:txBody>
+      </p:sp>
+      <p:grpSp>
+        <p:nvGrpSpPr>
+          <p:cNvPr id="4" name="Group 3">
+            <a:extLst>
+              <a:ext uri="{FF2B5EF4-FFF2-40B4-BE49-F238E27FC236}">
+                <a16:creationId xmlns:a16="http://schemas.microsoft.com/office/drawing/2014/main" id="{1F9B82D5-148F-4A36-B8D1-A4E531211A83}"/>
+              </a:ext>
+            </a:extLst>
+          </p:cNvPr>
+          <p:cNvGrpSpPr/>
+          <p:nvPr/>
+        </p:nvGrpSpPr>
+        <p:grpSpPr>
+          <a:xfrm>
+            <a:off x="161212" y="315888"/>
+            <a:ext cx="14751644" cy="2326455"/>
+            <a:chOff x="152847" y="597240"/>
+            <a:chExt cx="14751644" cy="1728193"/>
+          </a:xfrm>
+          <a:solidFill>
+            <a:srgbClr val="BE9BBC">
+              <a:alpha val="25000"/>
+            </a:srgbClr>
+          </a:solidFill>
+          <a:effectLst/>
+        </p:grpSpPr>
+        <p:sp>
+          <p:nvSpPr>
+            <p:cNvPr id="2112" name="Text Box 2">
+              <a:extLst>
+                <a:ext uri="{FF2B5EF4-FFF2-40B4-BE49-F238E27FC236}">
+                  <a16:creationId xmlns:a16="http://schemas.microsoft.com/office/drawing/2014/main" id="{07FDA01F-362B-4F73-94ED-33C93D34F81E}"/>
+                </a:ext>
+              </a:extLst>
+            </p:cNvPr>
+            <p:cNvSpPr txBox="1">
+              <a:spLocks noChangeArrowheads="1"/>
+            </p:cNvSpPr>
+            <p:nvPr/>
+          </p:nvSpPr>
+          <p:spPr bwMode="auto">
+            <a:xfrm>
+              <a:off x="152847" y="597240"/>
+              <a:ext cx="14751644" cy="1728193"/>
+            </a:xfrm>
+            <a:prstGeom prst="roundRect">
+              <a:avLst/>
+            </a:prstGeom>
+            <a:grpFill/>
+            <a:ln w="38100" algn="in">
+              <a:solidFill>
+                <a:srgbClr val="7E317B"/>
+              </a:solidFill>
+              <a:miter lim="800000"/>
+              <a:headEnd/>
+              <a:tailEnd/>
+            </a:ln>
+            <a:effectLst/>
+          </p:spPr>
+          <p:txBody>
+            <a:bodyPr lIns="18263" tIns="18263" rIns="18263" bIns="18263"/>
+            <a:lstStyle>
+              <a:lvl1pPr eaLnBrk="0" hangingPunct="0">
+                <a:spcBef>
+                  <a:spcPct val="20000"/>
+                </a:spcBef>
+                <a:buChar char="•"/>
+                <a:defRPr sz="14600">
+                  <a:solidFill>
+                    <a:schemeClr val="tx1"/>
+                  </a:solidFill>
+                  <a:latin typeface="Arial" panose="020B0604020202020204" pitchFamily="34" charset="0"/>
+                </a:defRPr>
+              </a:lvl1pPr>
+              <a:lvl2pPr marL="3394075" indent="-1306513" eaLnBrk="0" hangingPunct="0">
+                <a:spcBef>
+                  <a:spcPct val="20000"/>
+                </a:spcBef>
+                <a:buChar char="–"/>
+                <a:defRPr sz="12800">
+                  <a:solidFill>
+                    <a:schemeClr val="tx1"/>
+                  </a:solidFill>
+                  <a:latin typeface="Arial" panose="020B0604020202020204" pitchFamily="34" charset="0"/>
+                </a:defRPr>
+              </a:lvl2pPr>
+              <a:lvl3pPr marL="5221288" indent="-1044575" eaLnBrk="0" hangingPunct="0">
+                <a:spcBef>
+                  <a:spcPct val="20000"/>
+                </a:spcBef>
+                <a:buChar char="•"/>
+                <a:defRPr sz="11000">
+                  <a:solidFill>
+                    <a:schemeClr val="tx1"/>
+                  </a:solidFill>
+                  <a:latin typeface="Arial" panose="020B0604020202020204" pitchFamily="34" charset="0"/>
+                </a:defRPr>
+              </a:lvl3pPr>
+              <a:lvl4pPr marL="7308850" indent="-1044575" eaLnBrk="0" hangingPunct="0">
+                <a:spcBef>
+                  <a:spcPct val="20000"/>
+                </a:spcBef>
+                <a:buChar char="–"/>
+                <a:defRPr sz="9100">
+                  <a:solidFill>
+                    <a:schemeClr val="tx1"/>
+                  </a:solidFill>
+                  <a:latin typeface="Arial" panose="020B0604020202020204" pitchFamily="34" charset="0"/>
+                </a:defRPr>
+              </a:lvl4pPr>
+              <a:lvl5pPr marL="9396413" indent="-1042988" eaLnBrk="0" hangingPunct="0">
+                <a:spcBef>
+                  <a:spcPct val="20000"/>
+                </a:spcBef>
+                <a:buChar char="»"/>
+                <a:defRPr sz="9100">
+                  <a:solidFill>
+                    <a:schemeClr val="tx1"/>
+                  </a:solidFill>
+                  <a:latin typeface="Arial" panose="020B0604020202020204" pitchFamily="34" charset="0"/>
+                </a:defRPr>
+              </a:lvl5pPr>
+              <a:lvl6pPr marL="9853613" indent="-1042988" eaLnBrk="0" fontAlgn="base" hangingPunct="0">
+                <a:spcBef>
+                  <a:spcPct val="20000"/>
+                </a:spcBef>
+                <a:spcAft>
+                  <a:spcPct val="0"/>
+                </a:spcAft>
+                <a:buChar char="»"/>
+                <a:defRPr sz="9100">
+                  <a:solidFill>
+                    <a:schemeClr val="tx1"/>
+                  </a:solidFill>
+                  <a:latin typeface="Arial" panose="020B0604020202020204" pitchFamily="34" charset="0"/>
+                </a:defRPr>
+              </a:lvl6pPr>
+              <a:lvl7pPr marL="10310813" indent="-1042988" eaLnBrk="0" fontAlgn="base" hangingPunct="0">
+                <a:spcBef>
+                  <a:spcPct val="20000"/>
+                </a:spcBef>
+                <a:spcAft>
+                  <a:spcPct val="0"/>
+                </a:spcAft>
+                <a:buChar char="»"/>
+                <a:defRPr sz="9100">
+                  <a:solidFill>
+                    <a:schemeClr val="tx1"/>
+                  </a:solidFill>
+                  <a:latin typeface="Arial" panose="020B0604020202020204" pitchFamily="34" charset="0"/>
+                </a:defRPr>
+              </a:lvl7pPr>
+              <a:lvl8pPr marL="10768013" indent="-1042988" eaLnBrk="0" fontAlgn="base" hangingPunct="0">
+                <a:spcBef>
+                  <a:spcPct val="20000"/>
+                </a:spcBef>
+                <a:spcAft>
+                  <a:spcPct val="0"/>
+                </a:spcAft>
+                <a:buChar char="»"/>
+                <a:defRPr sz="9100">
+                  <a:solidFill>
+                    <a:schemeClr val="tx1"/>
+                  </a:solidFill>
+                  <a:latin typeface="Arial" panose="020B0604020202020204" pitchFamily="34" charset="0"/>
+                </a:defRPr>
+              </a:lvl8pPr>
+              <a:lvl9pPr marL="11225213" indent="-1042988" eaLnBrk="0" fontAlgn="base" hangingPunct="0">
+                <a:spcBef>
+                  <a:spcPct val="20000"/>
+                </a:spcBef>
+                <a:spcAft>
+                  <a:spcPct val="0"/>
+                </a:spcAft>
+                <a:buChar char="»"/>
+                <a:defRPr sz="9100">
+                  <a:solidFill>
+                    <a:schemeClr val="tx1"/>
+                  </a:solidFill>
+                  <a:latin typeface="Arial" panose="020B0604020202020204" pitchFamily="34" charset="0"/>
+                </a:defRPr>
+              </a:lvl9pPr>
+            </a:lstStyle>
+            <a:p>
+              <a:pPr defTabSz="456560" eaLnBrk="1" hangingPunct="1">
+                <a:spcBef>
+                  <a:spcPct val="0"/>
+                </a:spcBef>
+                <a:buFontTx/>
+                <a:buNone/>
+                <a:defRPr/>
+              </a:pPr>
+              <a:endParaRPr lang="en-US" altLang="en-US" sz="899" dirty="0"/>
+            </a:p>
+          </p:txBody>
+        </p:sp>
+        <p:pic>
+          <p:nvPicPr>
+            <p:cNvPr id="3076" name="Picture 3" descr="logounidurham-new">
+              <a:extLst>
+                <a:ext uri="{FF2B5EF4-FFF2-40B4-BE49-F238E27FC236}">
+                  <a16:creationId xmlns:a16="http://schemas.microsoft.com/office/drawing/2014/main" id="{0B1EBA94-D78A-45A1-83CD-55DCE63AA87A}"/>
+                </a:ext>
+              </a:extLst>
+            </p:cNvPr>
+            <p:cNvPicPr>
+              <a:picLocks noChangeAspect="1" noChangeArrowheads="1"/>
+            </p:cNvPicPr>
+            <p:nvPr/>
+          </p:nvPicPr>
+          <p:blipFill>
+            <a:blip r:embed="rId3">
+              <a:extLst>
+                <a:ext uri="{28A0092B-C50C-407E-A947-70E740481C1C}">
+                  <a14:useLocalDpi xmlns:a14="http://schemas.microsoft.com/office/drawing/2010/main" val="0"/>
+                </a:ext>
+              </a:extLst>
+            </a:blip>
+            <a:srcRect/>
+            <a:stretch>
+              <a:fillRect/>
+            </a:stretch>
+          </p:blipFill>
+          <p:spPr bwMode="auto">
+            <a:xfrm>
+              <a:off x="11921157" y="754707"/>
+              <a:ext cx="2767310" cy="837568"/>
+            </a:xfrm>
+            <a:prstGeom prst="roundRect">
+              <a:avLst/>
+            </a:prstGeom>
+            <a:noFill/>
+            <a:ln>
+              <a:noFill/>
+            </a:ln>
+            <a:effectLst/>
+            <a:extLst>
+              <a:ext uri="{91240B29-F687-4F45-9708-019B960494DF}">
+                <a14:hiddenLine xmlns:a14="http://schemas.microsoft.com/office/drawing/2010/main" w="9525" algn="in">
+                  <a:solidFill>
+                    <a:srgbClr val="000000"/>
+                  </a:solidFill>
+                  <a:miter lim="800000"/>
+                  <a:headEnd/>
+                  <a:tailEnd/>
+                </a14:hiddenLine>
+              </a:ext>
+              <a:ext uri="{AF507438-7753-43E0-B8FC-AC1667EBCBE1}">
+                <a14:hiddenEffects xmlns:a14="http://schemas.microsoft.com/office/drawing/2010/main">
+                  <a:effectLst>
+                    <a:outerShdw dist="35921" dir="2700000" algn="ctr" rotWithShape="0">
+                      <a:srgbClr val="EEECE1"/>
+                    </a:outerShdw>
+                  </a:effectLst>
+                </a14:hiddenEffects>
+              </a:ext>
+            </a:extLst>
+          </p:spPr>
+        </p:pic>
+        <p:sp>
+          <p:nvSpPr>
+            <p:cNvPr id="2" name="TextBox 1">
+              <a:extLst>
+                <a:ext uri="{FF2B5EF4-FFF2-40B4-BE49-F238E27FC236}">
+                  <a16:creationId xmlns:a16="http://schemas.microsoft.com/office/drawing/2014/main" id="{648AAF3F-D45D-4D73-B5F6-5CDDADC9D917}"/>
+                </a:ext>
+              </a:extLst>
+            </p:cNvPr>
+            <p:cNvSpPr txBox="1"/>
+            <p:nvPr/>
+          </p:nvSpPr>
+          <p:spPr>
+            <a:xfrm>
+              <a:off x="346274" y="712959"/>
+              <a:ext cx="10779070" cy="1391238"/>
+            </a:xfrm>
+            <a:prstGeom prst="roundRect">
+              <a:avLst/>
+            </a:prstGeom>
+            <a:noFill/>
+          </p:spPr>
+          <p:txBody>
+            <a:bodyPr wrap="square" rtlCol="0">
+              <a:spAutoFit/>
+            </a:bodyPr>
+            <a:lstStyle/>
+            <a:p>
+              <a:pPr lvl="0" defTabSz="456560" eaLnBrk="1" hangingPunct="1">
+                <a:spcBef>
+                  <a:spcPts val="1248"/>
+                </a:spcBef>
+                <a:defRPr/>
+              </a:pPr>
+              <a:r>
+                <a:rPr lang="en-GB" altLang="en-US" sz="5200" b="1" dirty="0">
+                  <a:solidFill>
+                    <a:srgbClr val="000000"/>
+                  </a:solidFill>
+                  <a:latin typeface="Calibri" panose="020F0502020204030204" pitchFamily="34" charset="0"/>
+                </a:rPr>
+                <a:t>Investigation of Machine Learning Techniques for a Ball Balancing Task</a:t>
+              </a:r>
+            </a:p>
+          </p:txBody>
+        </p:sp>
+        <p:sp>
+          <p:nvSpPr>
+            <p:cNvPr id="3" name="TextBox 2">
+              <a:extLst>
+                <a:ext uri="{FF2B5EF4-FFF2-40B4-BE49-F238E27FC236}">
+                  <a16:creationId xmlns:a16="http://schemas.microsoft.com/office/drawing/2014/main" id="{4A82FDDF-CCF2-40F2-97C9-38BC26620243}"/>
+                </a:ext>
+              </a:extLst>
+            </p:cNvPr>
+            <p:cNvSpPr txBox="1"/>
+            <p:nvPr/>
+          </p:nvSpPr>
+          <p:spPr>
+            <a:xfrm>
+              <a:off x="10323126" y="1603900"/>
+              <a:ext cx="4513419" cy="682971"/>
+            </a:xfrm>
+            <a:prstGeom prst="roundRect">
+              <a:avLst/>
+            </a:prstGeom>
+            <a:noFill/>
+          </p:spPr>
+          <p:txBody>
+            <a:bodyPr wrap="square" rtlCol="0">
+              <a:spAutoFit/>
+            </a:bodyPr>
+            <a:lstStyle/>
+            <a:p>
+              <a:pPr lvl="0" algn="r" defTabSz="456560" eaLnBrk="1" hangingPunct="1">
+                <a:spcBef>
+                  <a:spcPts val="1248"/>
+                </a:spcBef>
+                <a:defRPr/>
+              </a:pPr>
+              <a:r>
+                <a:rPr lang="en-GB" altLang="en-US" sz="2400" dirty="0">
+                  <a:solidFill>
+                    <a:prstClr val="black"/>
+                  </a:solidFill>
+                  <a:latin typeface="Calibri" panose="020F0502020204030204" pitchFamily="34" charset="0"/>
+                </a:rPr>
+                <a:t>Student: Edward Hockedy</a:t>
+              </a:r>
+            </a:p>
+            <a:p>
+              <a:pPr lvl="0" algn="r" defTabSz="456560" eaLnBrk="1" hangingPunct="1">
+                <a:defRPr/>
+              </a:pPr>
+              <a:r>
+                <a:rPr lang="en-GB" altLang="en-US" sz="2400" dirty="0">
+                  <a:solidFill>
+                    <a:prstClr val="black"/>
+                  </a:solidFill>
+                  <a:latin typeface="Calibri" panose="020F0502020204030204" pitchFamily="34" charset="0"/>
+                </a:rPr>
+                <a:t>Supervisor: Magnus </a:t>
+              </a:r>
+              <a:r>
+                <a:rPr lang="en-GB" altLang="en-US" sz="2400" dirty="0" err="1">
+                  <a:solidFill>
+                    <a:prstClr val="black"/>
+                  </a:solidFill>
+                  <a:latin typeface="Calibri" panose="020F0502020204030204" pitchFamily="34" charset="0"/>
+                </a:rPr>
+                <a:t>Bordewich</a:t>
+              </a:r>
+              <a:endParaRPr lang="en-US" altLang="en-US" sz="800" dirty="0">
+                <a:solidFill>
+                  <a:prstClr val="black"/>
+                </a:solidFill>
+              </a:endParaRPr>
+            </a:p>
+          </p:txBody>
+        </p:sp>
+      </p:grpSp>
+      <p:sp>
+        <p:nvSpPr>
+          <p:cNvPr id="45" name="Rectangle 7">
+            <a:extLst>
+              <a:ext uri="{FF2B5EF4-FFF2-40B4-BE49-F238E27FC236}">
+                <a16:creationId xmlns:a16="http://schemas.microsoft.com/office/drawing/2014/main" id="{8400C5BD-3131-4FF5-B528-1B88BAC41CD4}"/>
+              </a:ext>
+            </a:extLst>
+          </p:cNvPr>
+          <p:cNvSpPr>
+            <a:spLocks noChangeArrowheads="1"/>
+          </p:cNvSpPr>
+          <p:nvPr/>
+        </p:nvSpPr>
+        <p:spPr bwMode="auto">
+          <a:xfrm>
+            <a:off x="418357" y="14778349"/>
+            <a:ext cx="7888464" cy="4889747"/>
+          </a:xfrm>
+          <a:prstGeom prst="roundRect">
+            <a:avLst>
+              <a:gd name="adj" fmla="val 3746"/>
+            </a:avLst>
+          </a:prstGeom>
+          <a:noFill/>
+          <a:ln w="38100">
+            <a:solidFill>
+              <a:srgbClr val="7E317B"/>
+            </a:solidFill>
+            <a:miter lim="800000"/>
+          </a:ln>
+          <a:effectLst/>
+        </p:spPr>
+        <p:style>
+          <a:lnRef idx="2">
+            <a:schemeClr val="accent2"/>
+          </a:lnRef>
+          <a:fillRef idx="1">
+            <a:schemeClr val="lt1"/>
+          </a:fillRef>
+          <a:effectRef idx="0">
+            <a:schemeClr val="accent2"/>
+          </a:effectRef>
+          <a:fontRef idx="minor">
+            <a:schemeClr val="dk1"/>
+          </a:fontRef>
+        </p:style>
+        <p:txBody>
+          <a:bodyPr wrap="square" lIns="125828" rIns="125828">
+            <a:noAutofit/>
+          </a:bodyPr>
+          <a:lstStyle/>
+          <a:p>
+            <a:pPr algn="just" defTabSz="2085057" eaLnBrk="1" hangingPunct="1">
+              <a:lnSpc>
+                <a:spcPct val="150000"/>
+              </a:lnSpc>
+              <a:defRPr/>
+            </a:pPr>
+            <a:r>
+              <a:rPr lang="en-GB" sz="2800" b="1" dirty="0"/>
+              <a:t>3. MACHINE LEARNING METHODS</a:t>
+            </a:r>
+            <a:endParaRPr lang="en-GB" sz="2400" b="1" dirty="0"/>
+          </a:p>
+          <a:p>
+            <a:pPr algn="just" defTabSz="2085057" eaLnBrk="1" hangingPunct="1">
+              <a:defRPr/>
+            </a:pPr>
+            <a:r>
+              <a:rPr lang="en-GB" sz="2000" b="1" dirty="0"/>
+              <a:t>Q-learning</a:t>
+            </a:r>
+          </a:p>
+          <a:p>
+            <a:pPr algn="just" defTabSz="2085057" eaLnBrk="1" hangingPunct="1">
+              <a:defRPr/>
+            </a:pPr>
+            <a:r>
+              <a:rPr lang="en-GB" sz="2000" dirty="0"/>
+              <a:t>A form of </a:t>
+            </a:r>
+            <a:r>
+              <a:rPr lang="en-GB" sz="2000" b="1" dirty="0"/>
+              <a:t>reinforcement learning</a:t>
+            </a:r>
+            <a:r>
+              <a:rPr lang="en-GB" sz="2000" dirty="0"/>
+              <a:t>, Q-learning makes learning agents interact with the environment, using the </a:t>
+            </a:r>
+            <a:r>
+              <a:rPr lang="en-GB" sz="2000" b="1" dirty="0"/>
+              <a:t>trial-and-error</a:t>
+            </a:r>
+            <a:r>
+              <a:rPr lang="en-GB" sz="2000" dirty="0"/>
+              <a:t> method to gather experience and train the action (decision) policy</a:t>
+            </a:r>
+            <a:r>
+              <a:rPr lang="en-GB" sz="2000" baseline="30000" dirty="0"/>
+              <a:t>[1]</a:t>
+            </a:r>
+            <a:r>
+              <a:rPr lang="en-GB" sz="2000" dirty="0"/>
+              <a:t>. Here, the agent </a:t>
+            </a:r>
+            <a:r>
+              <a:rPr lang="en-GB" sz="2000" b="1" dirty="0"/>
+              <a:t>chooses an action </a:t>
+            </a:r>
+            <a:r>
+              <a:rPr lang="en-GB" sz="2000" dirty="0"/>
+              <a:t>(tilt left or right) based off the current state it is in. It then </a:t>
+            </a:r>
+            <a:r>
+              <a:rPr lang="en-GB" sz="2000" b="1" dirty="0"/>
+              <a:t>gets a reward </a:t>
+            </a:r>
+            <a:r>
+              <a:rPr lang="en-GB" sz="2000" dirty="0"/>
+              <a:t>depending on how good the new state is.</a:t>
+            </a:r>
+            <a:endParaRPr lang="en-GB" sz="2000" b="1" dirty="0"/>
+          </a:p>
+          <a:p>
+            <a:pPr algn="just" defTabSz="2085057" eaLnBrk="1" hangingPunct="1">
+              <a:spcBef>
+                <a:spcPts val="600"/>
+              </a:spcBef>
+              <a:defRPr/>
+            </a:pPr>
+            <a:r>
+              <a:rPr lang="en-GB" sz="2000" b="1" dirty="0"/>
+              <a:t>Neural Network</a:t>
+            </a:r>
+          </a:p>
+          <a:p>
+            <a:pPr algn="just" defTabSz="2085057" eaLnBrk="1" hangingPunct="1">
+              <a:defRPr/>
+            </a:pPr>
+            <a:r>
+              <a:rPr lang="en-GB" sz="2000" dirty="0"/>
+              <a:t>A type of </a:t>
+            </a:r>
+            <a:r>
+              <a:rPr lang="en-GB" sz="2000" b="1" dirty="0"/>
+              <a:t>supervised learning</a:t>
+            </a:r>
+            <a:r>
+              <a:rPr lang="en-GB" sz="2000" dirty="0"/>
+              <a:t>, a neural network is a massively parallel combination of simple processing unit which can </a:t>
+            </a:r>
+            <a:r>
+              <a:rPr lang="en-GB" sz="2000" b="1" dirty="0"/>
+              <a:t>acquire knowledge from environment</a:t>
+            </a:r>
+            <a:r>
+              <a:rPr lang="en-GB" sz="2000" dirty="0"/>
+              <a:t> through a learning process and </a:t>
+            </a:r>
+            <a:r>
+              <a:rPr lang="en-GB" sz="2000" b="1" dirty="0"/>
+              <a:t>store the knowledge </a:t>
+            </a:r>
+            <a:r>
+              <a:rPr lang="en-GB" sz="2000" dirty="0"/>
+              <a:t>in its connections</a:t>
+            </a:r>
+            <a:r>
+              <a:rPr lang="en-GB" sz="2000" baseline="30000" dirty="0"/>
+              <a:t>[2]</a:t>
+            </a:r>
+            <a:r>
+              <a:rPr lang="en-GB" sz="2000" dirty="0"/>
+              <a:t>. The training data is generated by a user manipulating the tray and recording which actions were taken for each state. </a:t>
+            </a:r>
+          </a:p>
+        </p:txBody>
+      </p:sp>
+      <p:sp>
+        <p:nvSpPr>
+          <p:cNvPr id="51" name="Rectangle 7">
+            <a:extLst>
+              <a:ext uri="{FF2B5EF4-FFF2-40B4-BE49-F238E27FC236}">
+                <a16:creationId xmlns:a16="http://schemas.microsoft.com/office/drawing/2014/main" id="{2F01C4AF-F65C-47E8-8724-9D836DF72D60}"/>
+              </a:ext>
+            </a:extLst>
+          </p:cNvPr>
+          <p:cNvSpPr>
+            <a:spLocks noChangeArrowheads="1"/>
+          </p:cNvSpPr>
+          <p:nvPr/>
+        </p:nvSpPr>
+        <p:spPr bwMode="auto">
+          <a:xfrm>
+            <a:off x="170848" y="19906582"/>
+            <a:ext cx="14777653" cy="1328023"/>
+          </a:xfrm>
+          <a:prstGeom prst="roundRect">
+            <a:avLst/>
+          </a:prstGeom>
+          <a:noFill/>
+          <a:ln w="38100">
+            <a:solidFill>
+              <a:srgbClr val="7E317B"/>
+            </a:solidFill>
+          </a:ln>
+          <a:effectLst/>
+        </p:spPr>
+        <p:style>
+          <a:lnRef idx="2">
+            <a:schemeClr val="accent2"/>
+          </a:lnRef>
+          <a:fillRef idx="1">
+            <a:schemeClr val="lt1"/>
+          </a:fillRef>
+          <a:effectRef idx="0">
+            <a:schemeClr val="accent2"/>
+          </a:effectRef>
+          <a:fontRef idx="minor">
+            <a:schemeClr val="dk1"/>
+          </a:fontRef>
+        </p:style>
+        <p:txBody>
+          <a:bodyPr wrap="square" lIns="125828" rIns="125828">
+            <a:spAutoFit/>
+          </a:bodyPr>
+          <a:lstStyle/>
+          <a:p>
+            <a:pPr algn="just" defTabSz="2085057" eaLnBrk="1" hangingPunct="1">
+              <a:defRPr/>
+            </a:pPr>
+            <a:r>
+              <a:rPr lang="en-GB" sz="2400" b="1" dirty="0"/>
+              <a:t>7. REFERENCES</a:t>
+            </a:r>
+          </a:p>
+          <a:p>
+            <a:pPr algn="just" defTabSz="2085057" eaLnBrk="1" hangingPunct="1">
+              <a:defRPr/>
+            </a:pPr>
+            <a:r>
+              <a:rPr lang="en-GB" sz="1600" dirty="0"/>
+              <a:t>[1] </a:t>
+            </a:r>
+            <a:r>
+              <a:rPr lang="en-GB" sz="1600" dirty="0" err="1"/>
+              <a:t>Jin</a:t>
+            </a:r>
+            <a:r>
+              <a:rPr lang="en-GB" sz="1600" dirty="0"/>
+              <a:t>-Ling, L. &amp; Kao-</a:t>
+            </a:r>
+            <a:r>
+              <a:rPr lang="en-GB" sz="1600" dirty="0" err="1"/>
+              <a:t>Shing</a:t>
+            </a:r>
+            <a:r>
+              <a:rPr lang="en-GB" sz="1600" dirty="0"/>
+              <a:t>, H. (2017), ‘Balancing and reconstruction of segmented postures for humanoid robots in imitation of motion’, IEEE Access (5), 17534–17542.</a:t>
+            </a:r>
+          </a:p>
+          <a:p>
+            <a:pPr algn="just" defTabSz="2085057" eaLnBrk="1" hangingPunct="1">
+              <a:defRPr/>
+            </a:pPr>
+            <a:r>
+              <a:rPr lang="en-GB" sz="1600" dirty="0"/>
+              <a:t>[2] </a:t>
+            </a:r>
+            <a:r>
+              <a:rPr lang="en-GB" sz="1600" dirty="0" err="1"/>
+              <a:t>Guresen</a:t>
+            </a:r>
+            <a:r>
+              <a:rPr lang="en-GB" sz="1600" dirty="0"/>
+              <a:t>, E. &amp; </a:t>
+            </a:r>
+            <a:r>
+              <a:rPr lang="en-GB" sz="1600" dirty="0" err="1"/>
+              <a:t>Kayakutlu</a:t>
+            </a:r>
+            <a:r>
+              <a:rPr lang="en-GB" sz="1600" dirty="0"/>
+              <a:t>, G. (2011), ‘Definition of artificial neural networks with comparison to other networks’, Procedia Computer Science 3, 426 – 433. World Conference on Information Technology.</a:t>
+            </a:r>
+          </a:p>
+        </p:txBody>
+      </p:sp>
+      <p:grpSp>
+        <p:nvGrpSpPr>
+          <p:cNvPr id="16" name="Group 15">
+            <a:extLst>
+              <a:ext uri="{FF2B5EF4-FFF2-40B4-BE49-F238E27FC236}">
+                <a16:creationId xmlns:a16="http://schemas.microsoft.com/office/drawing/2014/main" id="{3A4E57B5-5376-4985-9B1E-FFF07D232ED0}"/>
+              </a:ext>
+            </a:extLst>
+          </p:cNvPr>
+          <p:cNvGrpSpPr/>
+          <p:nvPr/>
+        </p:nvGrpSpPr>
+        <p:grpSpPr>
+          <a:xfrm>
+            <a:off x="377280" y="7925499"/>
+            <a:ext cx="6501354" cy="6518670"/>
+            <a:chOff x="216909" y="8558337"/>
+            <a:chExt cx="8391852" cy="4236860"/>
+          </a:xfrm>
+          <a:effectLst/>
+        </p:grpSpPr>
+        <p:sp>
+          <p:nvSpPr>
+            <p:cNvPr id="46" name="Rectangle 7">
+              <a:extLst>
+                <a:ext uri="{FF2B5EF4-FFF2-40B4-BE49-F238E27FC236}">
+                  <a16:creationId xmlns:a16="http://schemas.microsoft.com/office/drawing/2014/main" id="{41761B50-3D88-491E-AF14-25FB2AFABEA0}"/>
+                </a:ext>
+              </a:extLst>
+            </p:cNvPr>
+            <p:cNvSpPr>
+              <a:spLocks noChangeArrowheads="1"/>
+            </p:cNvSpPr>
+            <p:nvPr/>
+          </p:nvSpPr>
+          <p:spPr bwMode="auto">
+            <a:xfrm>
+              <a:off x="216909" y="8558337"/>
+              <a:ext cx="8391852" cy="4236860"/>
+            </a:xfrm>
+            <a:prstGeom prst="roundRect">
+              <a:avLst>
+                <a:gd name="adj" fmla="val 2851"/>
+              </a:avLst>
+            </a:prstGeom>
+            <a:noFill/>
+            <a:ln w="38100">
+              <a:solidFill>
+                <a:srgbClr val="7E317B"/>
+              </a:solidFill>
+            </a:ln>
+            <a:effectLst>
+              <a:softEdge rad="0"/>
+            </a:effectLst>
+          </p:spPr>
+          <p:style>
+            <a:lnRef idx="2">
+              <a:schemeClr val="accent2"/>
+            </a:lnRef>
+            <a:fillRef idx="1">
+              <a:schemeClr val="lt1"/>
+            </a:fillRef>
+            <a:effectRef idx="0">
+              <a:schemeClr val="accent2"/>
+            </a:effectRef>
+            <a:fontRef idx="minor">
+              <a:schemeClr val="dk1"/>
+            </a:fontRef>
+          </p:style>
+          <p:txBody>
+            <a:bodyPr wrap="square" lIns="125828" rIns="125828" numCol="2" spcCol="900000">
+              <a:noAutofit/>
+            </a:bodyPr>
+            <a:lstStyle/>
+            <a:p>
+              <a:pPr algn="just" defTabSz="2085057" eaLnBrk="1" hangingPunct="1">
+                <a:lnSpc>
+                  <a:spcPct val="150000"/>
+                </a:lnSpc>
+                <a:defRPr/>
+              </a:pPr>
+              <a:r>
+                <a:rPr lang="en-GB" sz="2800" b="1" dirty="0"/>
+                <a:t>2. THE TASK</a:t>
+              </a:r>
+              <a:endParaRPr lang="en-GB" sz="2400" b="1" dirty="0"/>
+            </a:p>
+            <a:p>
+              <a:pPr algn="just" defTabSz="2085057" eaLnBrk="1" hangingPunct="1">
+                <a:defRPr/>
+              </a:pPr>
+              <a:r>
+                <a:rPr lang="en-GB" sz="2000" dirty="0"/>
+                <a:t>The task is to balance a ball on a tray. To save time,  </a:t>
+              </a:r>
+              <a:r>
+                <a:rPr lang="en-GB" sz="2000" b="1" dirty="0"/>
+                <a:t>training is done in simulation</a:t>
+              </a:r>
+              <a:r>
+                <a:rPr lang="en-GB" sz="2000" dirty="0"/>
+                <a:t>. The learnt behaviour </a:t>
+              </a:r>
+              <a:r>
+                <a:rPr lang="en-GB" sz="2000" b="1" dirty="0"/>
+                <a:t>model can then be used by the robot</a:t>
+              </a:r>
+              <a:r>
+                <a:rPr lang="en-GB" sz="2000" dirty="0"/>
+                <a:t> to make decisions about how to act when the given a state (ball position, ball velocity and tray angle). The simulation (figure 2) is a simple 2D recreation of the robot in figure 1. The robot holds the tray with its arms. It can track the ball with the camera in its head.</a:t>
+              </a:r>
+            </a:p>
+            <a:p>
+              <a:pPr algn="just" defTabSz="2085057" eaLnBrk="1" hangingPunct="1">
+                <a:defRPr/>
+              </a:pPr>
+              <a:endParaRPr lang="en-GB" sz="2000" dirty="0"/>
+            </a:p>
+            <a:p>
+              <a:pPr algn="just" defTabSz="2085057" eaLnBrk="1" hangingPunct="1">
+                <a:lnSpc>
+                  <a:spcPct val="150000"/>
+                </a:lnSpc>
+                <a:defRPr/>
+              </a:pPr>
+              <a:endParaRPr lang="en-GB" sz="2400" dirty="0"/>
+            </a:p>
+            <a:p>
+              <a:pPr algn="just" defTabSz="2085057" eaLnBrk="1" hangingPunct="1">
+                <a:lnSpc>
+                  <a:spcPct val="150000"/>
+                </a:lnSpc>
+                <a:defRPr/>
+              </a:pPr>
+              <a:endParaRPr lang="en-GB" sz="2400" dirty="0"/>
+            </a:p>
+            <a:p>
+              <a:pPr algn="just" defTabSz="2085057" eaLnBrk="1" hangingPunct="1">
+                <a:lnSpc>
+                  <a:spcPct val="150000"/>
+                </a:lnSpc>
+                <a:defRPr/>
+              </a:pPr>
+              <a:endParaRPr lang="en-GB" sz="2400" dirty="0"/>
+            </a:p>
+          </p:txBody>
+        </p:sp>
+        <p:grpSp>
+          <p:nvGrpSpPr>
+            <p:cNvPr id="10" name="Group 9">
+              <a:extLst>
+                <a:ext uri="{FF2B5EF4-FFF2-40B4-BE49-F238E27FC236}">
+                  <a16:creationId xmlns:a16="http://schemas.microsoft.com/office/drawing/2014/main" id="{46004E2A-410C-4B60-B0B6-B657192CED41}"/>
+                </a:ext>
+              </a:extLst>
+            </p:cNvPr>
+            <p:cNvGrpSpPr/>
+            <p:nvPr/>
+          </p:nvGrpSpPr>
+          <p:grpSpPr>
+            <a:xfrm>
+              <a:off x="3972596" y="11377653"/>
+              <a:ext cx="4389436" cy="1191909"/>
+              <a:chOff x="4610601" y="10823993"/>
+              <a:chExt cx="5485777" cy="1191909"/>
+            </a:xfrm>
+          </p:grpSpPr>
+          <p:pic>
+            <p:nvPicPr>
+              <p:cNvPr id="7" name="Picture 6" descr="A close up of a logo&#10;&#10;Description generated with high confidence">
+                <a:extLst>
+                  <a:ext uri="{FF2B5EF4-FFF2-40B4-BE49-F238E27FC236}">
+                    <a16:creationId xmlns:a16="http://schemas.microsoft.com/office/drawing/2014/main" id="{1BA588CA-6E62-443A-B6BC-4B74068FCDCB}"/>
+                  </a:ext>
+                </a:extLst>
+              </p:cNvPr>
+              <p:cNvPicPr>
+                <a:picLocks noChangeAspect="1"/>
+              </p:cNvPicPr>
+              <p:nvPr/>
+            </p:nvPicPr>
+            <p:blipFill rotWithShape="1">
+              <a:blip r:embed="rId4">
+                <a:extLst>
+                  <a:ext uri="{28A0092B-C50C-407E-A947-70E740481C1C}">
+                    <a14:useLocalDpi xmlns:a14="http://schemas.microsoft.com/office/drawing/2010/main" val="0"/>
+                  </a:ext>
+                </a:extLst>
+              </a:blip>
+              <a:srcRect l="16439" r="10981" b="8139"/>
+              <a:stretch/>
+            </p:blipFill>
+            <p:spPr>
+              <a:xfrm>
+                <a:off x="4610601" y="10823993"/>
+                <a:ext cx="5485777" cy="873594"/>
+              </a:xfrm>
+              <a:prstGeom prst="rect">
+                <a:avLst/>
+              </a:prstGeom>
+            </p:spPr>
+          </p:pic>
+          <p:sp>
+            <p:nvSpPr>
+              <p:cNvPr id="9" name="TextBox 8">
+                <a:extLst>
+                  <a:ext uri="{FF2B5EF4-FFF2-40B4-BE49-F238E27FC236}">
+                    <a16:creationId xmlns:a16="http://schemas.microsoft.com/office/drawing/2014/main" id="{AE1DECCF-6F72-4F14-A003-3F3649F562A5}"/>
+                  </a:ext>
+                </a:extLst>
+              </p:cNvPr>
+              <p:cNvSpPr txBox="1"/>
+              <p:nvPr/>
+            </p:nvSpPr>
+            <p:spPr>
+              <a:xfrm>
+                <a:off x="5410541" y="11777320"/>
+                <a:ext cx="4344621" cy="238582"/>
+              </a:xfrm>
+              <a:prstGeom prst="rect">
+                <a:avLst/>
+              </a:prstGeom>
+              <a:noFill/>
+            </p:spPr>
+            <p:txBody>
+              <a:bodyPr wrap="square" rtlCol="0">
+                <a:spAutoFit/>
+              </a:bodyPr>
+              <a:lstStyle/>
+              <a:p>
+                <a:pPr algn="ctr"/>
+                <a:r>
+                  <a:rPr lang="en-GB" dirty="0">
+                    <a:latin typeface="+mn-lt"/>
+                  </a:rPr>
+                  <a:t>Figure 2. The simulation</a:t>
+                </a:r>
+              </a:p>
+            </p:txBody>
+          </p:sp>
+        </p:grpSp>
+        <p:pic>
+          <p:nvPicPr>
+            <p:cNvPr id="14" name="Picture 13" descr="A picture containing floor, indoor, table, sitting&#10;&#10;Description generated with very high confidence">
+              <a:extLst>
+                <a:ext uri="{FF2B5EF4-FFF2-40B4-BE49-F238E27FC236}">
+                  <a16:creationId xmlns:a16="http://schemas.microsoft.com/office/drawing/2014/main" id="{C91C7C21-6063-4D19-A41B-8580C1C6E4AD}"/>
+                </a:ext>
+              </a:extLst>
+            </p:cNvPr>
+            <p:cNvPicPr>
+              <a:picLocks noChangeAspect="1"/>
+            </p:cNvPicPr>
+            <p:nvPr/>
+          </p:nvPicPr>
+          <p:blipFill rotWithShape="1">
+            <a:blip r:embed="rId5">
+              <a:extLst>
+                <a:ext uri="{28A0092B-C50C-407E-A947-70E740481C1C}">
+                  <a14:useLocalDpi xmlns:a14="http://schemas.microsoft.com/office/drawing/2010/main" val="0"/>
+                </a:ext>
+              </a:extLst>
+            </a:blip>
+            <a:srcRect l="20948" t="4278" r="14756" b="17614"/>
+            <a:stretch/>
+          </p:blipFill>
+          <p:spPr>
+            <a:xfrm>
+              <a:off x="3972596" y="8743471"/>
+              <a:ext cx="4469481" cy="2230648"/>
+            </a:xfrm>
+            <a:prstGeom prst="rect">
+              <a:avLst/>
+            </a:prstGeom>
+          </p:spPr>
+        </p:pic>
+        <p:sp>
+          <p:nvSpPr>
+            <p:cNvPr id="53" name="TextBox 52">
+              <a:extLst>
+                <a:ext uri="{FF2B5EF4-FFF2-40B4-BE49-F238E27FC236}">
+                  <a16:creationId xmlns:a16="http://schemas.microsoft.com/office/drawing/2014/main" id="{3AA3F243-0EEC-45D8-8614-A638FE776A91}"/>
+                </a:ext>
+              </a:extLst>
+            </p:cNvPr>
+            <p:cNvSpPr txBox="1"/>
+            <p:nvPr/>
+          </p:nvSpPr>
+          <p:spPr>
+            <a:xfrm>
+              <a:off x="4133550" y="11072647"/>
+              <a:ext cx="4088347" cy="238582"/>
+            </a:xfrm>
+            <a:prstGeom prst="rect">
+              <a:avLst/>
+            </a:prstGeom>
+            <a:noFill/>
+          </p:spPr>
+          <p:txBody>
+            <a:bodyPr wrap="square" rtlCol="0">
+              <a:spAutoFit/>
+            </a:bodyPr>
+            <a:lstStyle/>
+            <a:p>
+              <a:pPr algn="ctr"/>
+              <a:r>
+                <a:rPr lang="en-GB" dirty="0">
+                  <a:latin typeface="+mn-lt"/>
+                </a:rPr>
+                <a:t>Figure 1. The robot with tray</a:t>
+              </a:r>
+            </a:p>
+          </p:txBody>
+        </p:sp>
+      </p:grpSp>
+      <p:sp>
+        <p:nvSpPr>
+          <p:cNvPr id="72" name="Rectangle 7">
+            <a:extLst>
+              <a:ext uri="{FF2B5EF4-FFF2-40B4-BE49-F238E27FC236}">
+                <a16:creationId xmlns:a16="http://schemas.microsoft.com/office/drawing/2014/main" id="{55BA8338-F998-4148-9BB8-693C90CA1A47}"/>
+              </a:ext>
+            </a:extLst>
+          </p:cNvPr>
+          <p:cNvSpPr>
+            <a:spLocks noChangeArrowheads="1"/>
+          </p:cNvSpPr>
+          <p:nvPr/>
+        </p:nvSpPr>
+        <p:spPr bwMode="auto">
+          <a:xfrm>
+            <a:off x="8704825" y="15282511"/>
+            <a:ext cx="5904269" cy="3889513"/>
+          </a:xfrm>
+          <a:prstGeom prst="roundRect">
+            <a:avLst>
+              <a:gd name="adj" fmla="val 4318"/>
+            </a:avLst>
+          </a:prstGeom>
+          <a:noFill/>
+          <a:ln w="38100">
+            <a:solidFill>
+              <a:srgbClr val="7E317B"/>
+            </a:solidFill>
+          </a:ln>
+          <a:effectLst/>
+        </p:spPr>
+        <p:style>
+          <a:lnRef idx="2">
+            <a:schemeClr val="accent2"/>
+          </a:lnRef>
+          <a:fillRef idx="1">
+            <a:schemeClr val="lt1"/>
+          </a:fillRef>
+          <a:effectRef idx="0">
+            <a:schemeClr val="accent2"/>
+          </a:effectRef>
+          <a:fontRef idx="minor">
+            <a:schemeClr val="dk1"/>
+          </a:fontRef>
+        </p:style>
+        <p:txBody>
+          <a:bodyPr wrap="square" lIns="125828" rIns="125828">
+            <a:noAutofit/>
+          </a:bodyPr>
+          <a:lstStyle/>
+          <a:p>
+            <a:pPr algn="just" defTabSz="2085057" eaLnBrk="1" hangingPunct="1">
+              <a:lnSpc>
+                <a:spcPct val="150000"/>
+              </a:lnSpc>
+              <a:defRPr/>
+            </a:pPr>
+            <a:r>
+              <a:rPr lang="en-GB" sz="2800" b="1" dirty="0"/>
+              <a:t>6. CONCLUSION</a:t>
+            </a:r>
+          </a:p>
+          <a:p>
+            <a:pPr algn="just" defTabSz="2085057" eaLnBrk="1" hangingPunct="1">
+              <a:defRPr/>
+            </a:pPr>
+            <a:r>
+              <a:rPr lang="en-GB" sz="2000" dirty="0"/>
+              <a:t>In conclusion, both Q-learning and a neural network are good for learning to balance a ball. The </a:t>
+            </a:r>
+            <a:r>
+              <a:rPr lang="en-GB" sz="2000" b="1" dirty="0"/>
+              <a:t>simulated behaviour was not perfectly</a:t>
+            </a:r>
+            <a:r>
+              <a:rPr lang="en-GB" sz="2000" dirty="0"/>
+              <a:t> recreated with the robot, however it was very </a:t>
+            </a:r>
+            <a:r>
+              <a:rPr lang="en-GB" sz="2000" b="1" dirty="0"/>
+              <a:t>useful at speeding up the training process</a:t>
+            </a:r>
+            <a:r>
+              <a:rPr lang="en-GB" sz="2000" dirty="0"/>
+              <a:t>. Factors such as the capabilities of the robot and number of available actions were the cause of bad performance. Out of the two, the </a:t>
+            </a:r>
+            <a:r>
+              <a:rPr lang="en-GB" sz="2000" b="1" dirty="0"/>
+              <a:t>neural network performed better </a:t>
+            </a:r>
+            <a:r>
+              <a:rPr lang="en-GB" sz="2000" dirty="0"/>
+              <a:t>as it was better at interpolating unseen states.</a:t>
+            </a:r>
+          </a:p>
+        </p:txBody>
+      </p:sp>
+      <p:grpSp>
+        <p:nvGrpSpPr>
+          <p:cNvPr id="21" name="Group 20">
+            <a:extLst>
+              <a:ext uri="{FF2B5EF4-FFF2-40B4-BE49-F238E27FC236}">
+                <a16:creationId xmlns:a16="http://schemas.microsoft.com/office/drawing/2014/main" id="{FE85B8C1-2E64-43B0-9009-018041CE5355}"/>
+              </a:ext>
+            </a:extLst>
+          </p:cNvPr>
+          <p:cNvGrpSpPr/>
+          <p:nvPr/>
+        </p:nvGrpSpPr>
+        <p:grpSpPr>
+          <a:xfrm>
+            <a:off x="7612790" y="2931263"/>
+            <a:ext cx="7216005" cy="5237268"/>
+            <a:chOff x="7651546" y="3112285"/>
+            <a:chExt cx="7231807" cy="5104964"/>
+          </a:xfrm>
+        </p:grpSpPr>
+        <p:sp>
+          <p:nvSpPr>
+            <p:cNvPr id="56" name="Rectangle 7">
+              <a:extLst>
+                <a:ext uri="{FF2B5EF4-FFF2-40B4-BE49-F238E27FC236}">
+                  <a16:creationId xmlns:a16="http://schemas.microsoft.com/office/drawing/2014/main" id="{129B5901-4E21-4FCC-BFC7-A1EBEE23584C}"/>
+                </a:ext>
+              </a:extLst>
+            </p:cNvPr>
+            <p:cNvSpPr>
+              <a:spLocks noChangeArrowheads="1"/>
+            </p:cNvSpPr>
+            <p:nvPr/>
+          </p:nvSpPr>
+          <p:spPr bwMode="auto">
+            <a:xfrm>
+              <a:off x="7651546" y="3112285"/>
+              <a:ext cx="7231807" cy="5104964"/>
+            </a:xfrm>
+            <a:prstGeom prst="roundRect">
+              <a:avLst>
+                <a:gd name="adj" fmla="val 4932"/>
+              </a:avLst>
+            </a:prstGeom>
+            <a:noFill/>
+            <a:ln w="38100">
+              <a:solidFill>
+                <a:srgbClr val="7E317B"/>
+              </a:solidFill>
+            </a:ln>
+            <a:effectLst/>
+          </p:spPr>
+          <p:style>
+            <a:lnRef idx="2">
+              <a:schemeClr val="accent2"/>
+            </a:lnRef>
+            <a:fillRef idx="1">
+              <a:schemeClr val="lt1"/>
+            </a:fillRef>
+            <a:effectRef idx="0">
+              <a:schemeClr val="accent2"/>
+            </a:effectRef>
+            <a:fontRef idx="minor">
+              <a:schemeClr val="dk1"/>
+            </a:fontRef>
+          </p:style>
+          <p:txBody>
+            <a:bodyPr wrap="square" lIns="125828" rIns="125828" numCol="1" spcCol="216000">
+              <a:noAutofit/>
+            </a:bodyPr>
+            <a:lstStyle/>
+            <a:p>
+              <a:pPr algn="just" defTabSz="2085057" eaLnBrk="1" hangingPunct="1">
+                <a:lnSpc>
+                  <a:spcPct val="150000"/>
+                </a:lnSpc>
+                <a:defRPr/>
+              </a:pPr>
+              <a:r>
+                <a:rPr lang="en-GB" sz="2800" b="1" dirty="0"/>
+                <a:t>4. Q-LEARNING RESULTS</a:t>
+              </a:r>
+              <a:endParaRPr lang="en-GB" sz="2400" b="1" dirty="0"/>
+            </a:p>
+            <a:p>
+              <a:pPr algn="just" defTabSz="2085057" eaLnBrk="1" hangingPunct="1">
+                <a:defRPr/>
+              </a:pPr>
+              <a:r>
+                <a:rPr lang="en-GB" sz="2000" dirty="0"/>
+                <a:t>Results in the </a:t>
+              </a:r>
+              <a:r>
+                <a:rPr lang="en-GB" sz="2000" b="1" dirty="0"/>
+                <a:t>simulation were very good</a:t>
+              </a:r>
+              <a:r>
+                <a:rPr lang="en-GB" sz="2000" dirty="0"/>
+                <a:t>. Unfortunately, the </a:t>
+              </a:r>
+              <a:r>
+                <a:rPr lang="en-GB" sz="2000" b="1" dirty="0"/>
+                <a:t>performance on the robot was less good</a:t>
+              </a:r>
+              <a:r>
+                <a:rPr lang="en-GB" sz="2000" dirty="0"/>
+                <a:t>, but the </a:t>
+              </a:r>
+              <a:r>
+                <a:rPr lang="en-GB" sz="2000" b="1" dirty="0"/>
+                <a:t>general behaviour was still present</a:t>
+              </a:r>
+              <a:r>
+                <a:rPr lang="en-GB" sz="2000" dirty="0"/>
+                <a:t>.</a:t>
+              </a:r>
+            </a:p>
+            <a:p>
+              <a:pPr algn="just" defTabSz="2085057" eaLnBrk="1" hangingPunct="1">
+                <a:lnSpc>
+                  <a:spcPct val="150000"/>
+                </a:lnSpc>
+                <a:defRPr/>
+              </a:pPr>
+              <a:endParaRPr lang="en-GB" sz="2400" b="1" dirty="0"/>
+            </a:p>
+            <a:p>
+              <a:pPr algn="just" defTabSz="2085057" eaLnBrk="1" hangingPunct="1">
+                <a:lnSpc>
+                  <a:spcPct val="150000"/>
+                </a:lnSpc>
+                <a:defRPr/>
+              </a:pPr>
+              <a:endParaRPr lang="en-GB" sz="2400" b="1" dirty="0"/>
+            </a:p>
+            <a:p>
+              <a:pPr algn="just" defTabSz="2085057" eaLnBrk="1" hangingPunct="1">
+                <a:lnSpc>
+                  <a:spcPct val="150000"/>
+                </a:lnSpc>
+                <a:defRPr/>
+              </a:pPr>
+              <a:endParaRPr lang="en-GB" sz="2400" b="1" dirty="0"/>
+            </a:p>
+            <a:p>
+              <a:pPr algn="just" defTabSz="2085057" eaLnBrk="1" hangingPunct="1">
+                <a:lnSpc>
+                  <a:spcPct val="150000"/>
+                </a:lnSpc>
+                <a:defRPr/>
+              </a:pPr>
+              <a:endParaRPr lang="en-GB" sz="2400" b="1" dirty="0"/>
+            </a:p>
+            <a:p>
+              <a:pPr algn="just" defTabSz="2085057" eaLnBrk="1" hangingPunct="1">
+                <a:lnSpc>
+                  <a:spcPct val="150000"/>
+                </a:lnSpc>
+                <a:defRPr/>
+              </a:pPr>
+              <a:endParaRPr lang="en-GB" sz="1200" b="1" dirty="0"/>
+            </a:p>
+            <a:p>
+              <a:pPr algn="just" defTabSz="2085057" eaLnBrk="1" hangingPunct="1">
+                <a:lnSpc>
+                  <a:spcPct val="150000"/>
+                </a:lnSpc>
+                <a:defRPr/>
+              </a:pPr>
+              <a:endParaRPr lang="en-GB" sz="1200" b="1" dirty="0"/>
+            </a:p>
+          </p:txBody>
+        </p:sp>
+        <p:grpSp>
+          <p:nvGrpSpPr>
+            <p:cNvPr id="19" name="Group 18">
+              <a:extLst>
+                <a:ext uri="{FF2B5EF4-FFF2-40B4-BE49-F238E27FC236}">
+                  <a16:creationId xmlns:a16="http://schemas.microsoft.com/office/drawing/2014/main" id="{A988D3F0-2061-4305-814D-984DB8E1D121}"/>
+                </a:ext>
+              </a:extLst>
+            </p:cNvPr>
+            <p:cNvGrpSpPr/>
+            <p:nvPr/>
+          </p:nvGrpSpPr>
+          <p:grpSpPr>
+            <a:xfrm>
+              <a:off x="7757654" y="4989109"/>
+              <a:ext cx="7046603" cy="2934260"/>
+              <a:chOff x="16221766" y="7272441"/>
+              <a:chExt cx="7046603" cy="2934260"/>
+            </a:xfrm>
+          </p:grpSpPr>
+          <p:pic>
+            <p:nvPicPr>
+              <p:cNvPr id="18" name="Picture 17" descr="A close up of text on a white background&#10;&#10;Description generated with high confidence">
+                <a:extLst>
+                  <a:ext uri="{FF2B5EF4-FFF2-40B4-BE49-F238E27FC236}">
+                    <a16:creationId xmlns:a16="http://schemas.microsoft.com/office/drawing/2014/main" id="{E50A8C43-9D47-4B1E-BCDE-3DE22682A1F3}"/>
+                  </a:ext>
+                </a:extLst>
+              </p:cNvPr>
+              <p:cNvPicPr>
+                <a:picLocks noChangeAspect="1"/>
+              </p:cNvPicPr>
+              <p:nvPr/>
+            </p:nvPicPr>
+            <p:blipFill rotWithShape="1">
+              <a:blip r:embed="rId6">
+                <a:extLst>
+                  <a:ext uri="{28A0092B-C50C-407E-A947-70E740481C1C}">
+                    <a14:useLocalDpi xmlns:a14="http://schemas.microsoft.com/office/drawing/2010/main" val="0"/>
+                  </a:ext>
+                </a:extLst>
+              </a:blip>
+              <a:srcRect l="995" t="10258" r="8349" b="1436"/>
+              <a:stretch/>
+            </p:blipFill>
+            <p:spPr>
+              <a:xfrm>
+                <a:off x="19620462" y="7272441"/>
+                <a:ext cx="3647907" cy="2287488"/>
+              </a:xfrm>
+              <a:prstGeom prst="rect">
+                <a:avLst/>
+              </a:prstGeom>
+            </p:spPr>
+          </p:pic>
+          <p:sp>
+            <p:nvSpPr>
+              <p:cNvPr id="61" name="TextBox 60">
+                <a:extLst>
+                  <a:ext uri="{FF2B5EF4-FFF2-40B4-BE49-F238E27FC236}">
+                    <a16:creationId xmlns:a16="http://schemas.microsoft.com/office/drawing/2014/main" id="{42991866-2E68-4FA4-857B-E31D90167115}"/>
+                  </a:ext>
+                </a:extLst>
+              </p:cNvPr>
+              <p:cNvSpPr txBox="1"/>
+              <p:nvPr/>
+            </p:nvSpPr>
+            <p:spPr>
+              <a:xfrm>
+                <a:off x="16249516" y="9576698"/>
+                <a:ext cx="6913813" cy="630003"/>
+              </a:xfrm>
+              <a:prstGeom prst="rect">
+                <a:avLst/>
+              </a:prstGeom>
+              <a:noFill/>
+            </p:spPr>
+            <p:txBody>
+              <a:bodyPr wrap="square" numCol="1" rtlCol="0">
+                <a:spAutoFit/>
+              </a:bodyPr>
+              <a:lstStyle/>
+              <a:p>
+                <a:pPr algn="ctr"/>
+                <a:r>
+                  <a:rPr lang="en-GB" dirty="0">
+                    <a:latin typeface="+mn-lt"/>
+                  </a:rPr>
+                  <a:t>Figure 3. On the left is the ball position over time throughout training as it eventually converges. The right is performance on the robot.</a:t>
+                </a:r>
+              </a:p>
+            </p:txBody>
+          </p:sp>
+          <p:pic>
+            <p:nvPicPr>
+              <p:cNvPr id="13" name="Picture 12" descr="A screenshot of a cell phone&#10;&#10;Description generated with high confidence">
+                <a:extLst>
+                  <a:ext uri="{FF2B5EF4-FFF2-40B4-BE49-F238E27FC236}">
+                    <a16:creationId xmlns:a16="http://schemas.microsoft.com/office/drawing/2014/main" id="{3B4B9C57-D37F-4076-90F3-4514FBB52190}"/>
+                  </a:ext>
+                </a:extLst>
+              </p:cNvPr>
+              <p:cNvPicPr>
+                <a:picLocks noChangeAspect="1"/>
+              </p:cNvPicPr>
+              <p:nvPr/>
+            </p:nvPicPr>
+            <p:blipFill rotWithShape="1">
+              <a:blip r:embed="rId7">
+                <a:extLst>
+                  <a:ext uri="{28A0092B-C50C-407E-A947-70E740481C1C}">
+                    <a14:useLocalDpi xmlns:a14="http://schemas.microsoft.com/office/drawing/2010/main" val="0"/>
+                  </a:ext>
+                </a:extLst>
+              </a:blip>
+              <a:srcRect l="2656" t="10550" r="8752" b="1838"/>
+              <a:stretch/>
+            </p:blipFill>
+            <p:spPr>
+              <a:xfrm>
+                <a:off x="16221766" y="7272442"/>
+                <a:ext cx="3442747" cy="2287487"/>
+              </a:xfrm>
+              <a:prstGeom prst="rect">
+                <a:avLst/>
+              </a:prstGeom>
+            </p:spPr>
+          </p:pic>
+        </p:grpSp>
+      </p:grpSp>
+      <p:grpSp>
+        <p:nvGrpSpPr>
+          <p:cNvPr id="20" name="Group 19">
+            <a:extLst>
+              <a:ext uri="{FF2B5EF4-FFF2-40B4-BE49-F238E27FC236}">
+                <a16:creationId xmlns:a16="http://schemas.microsoft.com/office/drawing/2014/main" id="{7A0CB78C-E37E-4EA0-A095-2CD1021F6EF4}"/>
+              </a:ext>
+            </a:extLst>
+          </p:cNvPr>
+          <p:cNvGrpSpPr/>
+          <p:nvPr/>
+        </p:nvGrpSpPr>
+        <p:grpSpPr>
+          <a:xfrm>
+            <a:off x="7269448" y="8392707"/>
+            <a:ext cx="7559347" cy="6147157"/>
+            <a:chOff x="7036947" y="7790417"/>
+            <a:chExt cx="7570255" cy="6147157"/>
+          </a:xfrm>
+        </p:grpSpPr>
+        <p:sp>
+          <p:nvSpPr>
+            <p:cNvPr id="35" name="Rectangle 7">
+              <a:extLst>
+                <a:ext uri="{FF2B5EF4-FFF2-40B4-BE49-F238E27FC236}">
+                  <a16:creationId xmlns:a16="http://schemas.microsoft.com/office/drawing/2014/main" id="{0DB09FA3-78D1-4316-A101-F1E9EBD6DA78}"/>
+                </a:ext>
+              </a:extLst>
+            </p:cNvPr>
+            <p:cNvSpPr>
+              <a:spLocks noChangeArrowheads="1"/>
+            </p:cNvSpPr>
+            <p:nvPr/>
+          </p:nvSpPr>
+          <p:spPr bwMode="auto">
+            <a:xfrm>
+              <a:off x="7036947" y="7790417"/>
+              <a:ext cx="7570255" cy="6147157"/>
+            </a:xfrm>
+            <a:prstGeom prst="roundRect">
+              <a:avLst>
+                <a:gd name="adj" fmla="val 3124"/>
+              </a:avLst>
+            </a:prstGeom>
+            <a:solidFill>
+              <a:schemeClr val="bg1">
+                <a:alpha val="0"/>
+              </a:schemeClr>
+            </a:solidFill>
+            <a:ln w="38100">
+              <a:solidFill>
+                <a:srgbClr val="7E317B"/>
+              </a:solidFill>
+            </a:ln>
+            <a:effectLst/>
+          </p:spPr>
+          <p:style>
+            <a:lnRef idx="2">
+              <a:schemeClr val="accent2"/>
+            </a:lnRef>
+            <a:fillRef idx="1">
+              <a:schemeClr val="lt1"/>
+            </a:fillRef>
+            <a:effectRef idx="0">
+              <a:schemeClr val="accent2"/>
+            </a:effectRef>
+            <a:fontRef idx="minor">
+              <a:schemeClr val="dk1"/>
+            </a:fontRef>
+          </p:style>
+          <p:txBody>
+            <a:bodyPr wrap="square" lIns="125828" rIns="125828" numCol="1" spcCol="216000">
+              <a:noAutofit/>
+            </a:bodyPr>
+            <a:lstStyle/>
+            <a:p>
+              <a:pPr algn="just" defTabSz="2085057" eaLnBrk="1" hangingPunct="1">
+                <a:lnSpc>
+                  <a:spcPct val="150000"/>
+                </a:lnSpc>
+                <a:defRPr/>
+              </a:pPr>
+              <a:r>
+                <a:rPr lang="en-GB" sz="2800" b="1" dirty="0"/>
+                <a:t>5. NEURAL NETWORK RESULTS</a:t>
+              </a:r>
+              <a:endParaRPr lang="en-GB" sz="2000" b="1" dirty="0"/>
+            </a:p>
+            <a:p>
+              <a:pPr algn="just" defTabSz="2085057" eaLnBrk="1" hangingPunct="1">
+                <a:defRPr/>
+              </a:pPr>
+              <a:r>
+                <a:rPr lang="en-GB" sz="2000" dirty="0"/>
+                <a:t>Results in the </a:t>
+              </a:r>
+              <a:r>
+                <a:rPr lang="en-GB" sz="2000" b="1" dirty="0"/>
+                <a:t>simulation were also very good</a:t>
+              </a:r>
+              <a:r>
+                <a:rPr lang="en-GB" sz="2000" dirty="0"/>
+                <a:t>. Once again, performance was </a:t>
+              </a:r>
+              <a:r>
+                <a:rPr lang="en-GB" sz="2000" b="1" dirty="0"/>
+                <a:t>less good with the robot</a:t>
+              </a:r>
+              <a:r>
+                <a:rPr lang="en-GB" sz="2000" dirty="0"/>
+                <a:t>.</a:t>
+              </a:r>
+            </a:p>
+            <a:p>
+              <a:pPr algn="just" defTabSz="2085057" eaLnBrk="1" hangingPunct="1">
+                <a:defRPr/>
+              </a:pPr>
+              <a:endParaRPr lang="en-GB" sz="2000" dirty="0"/>
+            </a:p>
+            <a:p>
+              <a:pPr algn="just" defTabSz="2085057" eaLnBrk="1" hangingPunct="1">
+                <a:defRPr/>
+              </a:pPr>
+              <a:endParaRPr lang="en-GB" sz="2000" dirty="0"/>
+            </a:p>
+            <a:p>
+              <a:pPr algn="just" defTabSz="2085057" eaLnBrk="1" hangingPunct="1">
+                <a:defRPr/>
+              </a:pPr>
+              <a:endParaRPr lang="en-GB" sz="2000" dirty="0"/>
+            </a:p>
+            <a:p>
+              <a:pPr algn="just" defTabSz="2085057" eaLnBrk="1" hangingPunct="1">
+                <a:defRPr/>
+              </a:pPr>
+              <a:endParaRPr lang="en-GB" sz="2000" dirty="0"/>
+            </a:p>
+            <a:p>
+              <a:pPr algn="just" defTabSz="2085057" eaLnBrk="1" hangingPunct="1">
+                <a:defRPr/>
+              </a:pPr>
+              <a:endParaRPr lang="en-GB" sz="2000" dirty="0"/>
+            </a:p>
+            <a:p>
+              <a:pPr algn="just" defTabSz="2085057" eaLnBrk="1" hangingPunct="1">
+                <a:defRPr/>
+              </a:pPr>
+              <a:endParaRPr lang="en-GB" sz="2000" dirty="0"/>
+            </a:p>
+            <a:p>
+              <a:pPr algn="just" defTabSz="2085057" eaLnBrk="1" hangingPunct="1">
+                <a:defRPr/>
+              </a:pPr>
+              <a:endParaRPr lang="en-GB" sz="2000" dirty="0"/>
+            </a:p>
+            <a:p>
+              <a:pPr algn="just" defTabSz="2085057" eaLnBrk="1" hangingPunct="1">
+                <a:defRPr/>
+              </a:pPr>
+              <a:endParaRPr lang="en-GB" sz="2000" dirty="0"/>
+            </a:p>
+            <a:p>
+              <a:pPr algn="just" defTabSz="2085057" eaLnBrk="1" hangingPunct="1">
+                <a:defRPr/>
+              </a:pPr>
+              <a:endParaRPr lang="en-GB" sz="2000" dirty="0"/>
+            </a:p>
+            <a:p>
+              <a:pPr algn="just" defTabSz="2085057" eaLnBrk="1" hangingPunct="1">
+                <a:defRPr/>
+              </a:pPr>
+              <a:endParaRPr lang="en-GB" sz="2000" dirty="0"/>
+            </a:p>
+            <a:p>
+              <a:pPr algn="just" defTabSz="2085057" eaLnBrk="1" hangingPunct="1">
+                <a:defRPr/>
+              </a:pPr>
+              <a:r>
+                <a:rPr lang="en-GB" sz="2000" dirty="0"/>
+                <a:t>In an attempt to improve performance on the robot,  </a:t>
+              </a:r>
+              <a:r>
+                <a:rPr lang="en-GB" sz="2000" b="1" dirty="0"/>
+                <a:t>delay was added </a:t>
+              </a:r>
+              <a:r>
+                <a:rPr lang="en-GB" sz="2000" dirty="0"/>
+                <a:t>to the simulation to mimic the robot’s slow response. This did not improve results. </a:t>
+              </a:r>
+              <a:r>
+                <a:rPr lang="en-GB" sz="2000" b="1" dirty="0"/>
+                <a:t>Experience replay </a:t>
+              </a:r>
+              <a:r>
+                <a:rPr lang="en-GB" sz="2000" dirty="0"/>
+                <a:t>was also explored. This uses state transition data from the robot, not the simulation. This also didn’t help.</a:t>
+              </a:r>
+            </a:p>
+          </p:txBody>
+        </p:sp>
+        <p:grpSp>
+          <p:nvGrpSpPr>
+            <p:cNvPr id="37" name="Group 36">
+              <a:extLst>
+                <a:ext uri="{FF2B5EF4-FFF2-40B4-BE49-F238E27FC236}">
+                  <a16:creationId xmlns:a16="http://schemas.microsoft.com/office/drawing/2014/main" id="{E626524D-8C54-462B-A19F-1DDDDCF31A6A}"/>
+                </a:ext>
+              </a:extLst>
+            </p:cNvPr>
+            <p:cNvGrpSpPr/>
+            <p:nvPr/>
+          </p:nvGrpSpPr>
+          <p:grpSpPr>
+            <a:xfrm>
+              <a:off x="7117367" y="9269278"/>
+              <a:ext cx="7333906" cy="2945103"/>
+              <a:chOff x="7275889" y="15444527"/>
+              <a:chExt cx="7192442" cy="2945103"/>
+            </a:xfrm>
+          </p:grpSpPr>
+          <p:pic>
+            <p:nvPicPr>
+              <p:cNvPr id="38" name="Picture 37" descr="A close up of a piece of paper&#10;&#10;Description generated with high confidence">
+                <a:extLst>
+                  <a:ext uri="{FF2B5EF4-FFF2-40B4-BE49-F238E27FC236}">
+                    <a16:creationId xmlns:a16="http://schemas.microsoft.com/office/drawing/2014/main" id="{E843F997-7A7B-4C6C-939B-6FEC9A36EC9D}"/>
+                  </a:ext>
+                </a:extLst>
+              </p:cNvPr>
+              <p:cNvPicPr>
+                <a:picLocks noChangeAspect="1"/>
+              </p:cNvPicPr>
+              <p:nvPr/>
+            </p:nvPicPr>
+            <p:blipFill rotWithShape="1">
+              <a:blip r:embed="rId8">
+                <a:extLst>
+                  <a:ext uri="{28A0092B-C50C-407E-A947-70E740481C1C}">
+                    <a14:useLocalDpi xmlns:a14="http://schemas.microsoft.com/office/drawing/2010/main" val="0"/>
+                  </a:ext>
+                </a:extLst>
+              </a:blip>
+              <a:srcRect l="2564" t="9606" r="8843" b="1205"/>
+              <a:stretch/>
+            </p:blipFill>
+            <p:spPr>
+              <a:xfrm>
+                <a:off x="10804143" y="15444527"/>
+                <a:ext cx="3664188" cy="2351645"/>
+              </a:xfrm>
+              <a:prstGeom prst="rect">
+                <a:avLst/>
+              </a:prstGeom>
+            </p:spPr>
+          </p:pic>
+          <p:pic>
+            <p:nvPicPr>
+              <p:cNvPr id="39" name="Picture 38" descr="A screenshot of a social media post&#10;&#10;Description generated with very high confidence">
+                <a:extLst>
+                  <a:ext uri="{FF2B5EF4-FFF2-40B4-BE49-F238E27FC236}">
+                    <a16:creationId xmlns:a16="http://schemas.microsoft.com/office/drawing/2014/main" id="{6630B996-F30B-4354-BE90-49C9652519E9}"/>
+                  </a:ext>
+                </a:extLst>
+              </p:cNvPr>
+              <p:cNvPicPr>
+                <a:picLocks noChangeAspect="1"/>
+              </p:cNvPicPr>
+              <p:nvPr/>
+            </p:nvPicPr>
+            <p:blipFill rotWithShape="1">
+              <a:blip r:embed="rId9">
+                <a:extLst>
+                  <a:ext uri="{28A0092B-C50C-407E-A947-70E740481C1C}">
+                    <a14:useLocalDpi xmlns:a14="http://schemas.microsoft.com/office/drawing/2010/main" val="0"/>
+                  </a:ext>
+                </a:extLst>
+              </a:blip>
+              <a:srcRect l="2461" t="10285" r="7717"/>
+              <a:stretch/>
+            </p:blipFill>
+            <p:spPr>
+              <a:xfrm>
+                <a:off x="7275889" y="15444527"/>
+                <a:ext cx="3545510" cy="2351645"/>
+              </a:xfrm>
+              <a:prstGeom prst="rect">
+                <a:avLst/>
+              </a:prstGeom>
+              <a:solidFill>
+                <a:srgbClr val="BE9BBC"/>
+              </a:solidFill>
+            </p:spPr>
+          </p:pic>
+          <p:sp>
+            <p:nvSpPr>
+              <p:cNvPr id="40" name="TextBox 39">
+                <a:extLst>
+                  <a:ext uri="{FF2B5EF4-FFF2-40B4-BE49-F238E27FC236}">
+                    <a16:creationId xmlns:a16="http://schemas.microsoft.com/office/drawing/2014/main" id="{CE3B4BA9-779C-4DE6-A724-B8FDA97BC7D3}"/>
+                  </a:ext>
+                </a:extLst>
+              </p:cNvPr>
+              <p:cNvSpPr txBox="1"/>
+              <p:nvPr/>
+            </p:nvSpPr>
+            <p:spPr>
+              <a:xfrm>
+                <a:off x="7491665" y="17743299"/>
+                <a:ext cx="6913813" cy="646331"/>
+              </a:xfrm>
+              <a:prstGeom prst="rect">
+                <a:avLst/>
+              </a:prstGeom>
+              <a:noFill/>
+            </p:spPr>
+            <p:txBody>
+              <a:bodyPr wrap="square" rtlCol="0">
+                <a:spAutoFit/>
+              </a:bodyPr>
+              <a:lstStyle/>
+              <a:p>
+                <a:pPr algn="ctr"/>
+                <a:r>
+                  <a:rPr lang="en-GB" dirty="0">
+                    <a:latin typeface="+mn-lt"/>
+                  </a:rPr>
+                  <a:t>Figure 4. Ball position over time after training with neural network in simulation left, on robot right.</a:t>
+                </a:r>
+              </a:p>
+            </p:txBody>
+          </p:sp>
+        </p:grpSp>
+      </p:grpSp>
+    </p:spTree>
+    <p:extLst>
+      <p:ext uri="{BB962C8B-B14F-4D97-AF65-F5344CB8AC3E}">
+        <p14:creationId xmlns:p14="http://schemas.microsoft.com/office/powerpoint/2010/main" val="3726742047"/>
+      </p:ext>
+    </p:extLst>
   </p:cSld>
   <p:clrMapOvr>
     <a:masterClrMapping/>
